--- a/JE/Gabarit poster - format horizontal.pptx
+++ b/JE/Gabarit poster - format horizontal.pptx
@@ -5,7 +5,7 @@
     <p:sldMasterId id="2147483648" r:id="rId1"/>
   </p:sldMasterIdLst>
   <p:sldIdLst>
-    <p:sldId id="256" r:id="rId3"/>
+    <p:sldId id="256" r:id="rId2"/>
   </p:sldIdLst>
   <p:sldSz cx="21383625" cy="15119350"/>
   <p:notesSz cx="6858000" cy="9144000"/>
@@ -104,6 +104,11 @@
       </a:defRPr>
     </a:lvl9pPr>
   </p:defaultTextStyle>
+  <p:extLst>
+    <p:ext uri="{EFAFB233-063F-42B5-8137-9DF3F51BA10A}">
+      <p15:sldGuideLst xmlns:p15="http://schemas.microsoft.com/office/powerpoint/2012/main"/>
+    </p:ext>
+  </p:extLst>
 </p:presentation>
 </file>
 
@@ -128,7 +133,7 @@
         <p:nvSpPr>
           <p:cNvPr id="2" name="Title 1"/>
           <p:cNvSpPr>
-            <a:spLocks noGrp="true"/>
+            <a:spLocks noGrp="1"/>
           </p:cNvSpPr>
           <p:nvPr>
             <p:ph type="ctrTitle"/>
@@ -160,10 +165,10 @@
         <p:nvSpPr>
           <p:cNvPr id="3" name="Subtitle 2"/>
           <p:cNvSpPr>
-            <a:spLocks noGrp="true"/>
-          </p:cNvSpPr>
-          <p:nvPr>
-            <p:ph type="subTitle" idx="1" hasCustomPrompt="true"/>
+            <a:spLocks noGrp="1"/>
+          </p:cNvSpPr>
+          <p:nvPr>
+            <p:ph type="subTitle" idx="1" hasCustomPrompt="1"/>
           </p:nvPr>
         </p:nvSpPr>
         <p:spPr>
@@ -225,7 +230,7 @@
         <p:nvSpPr>
           <p:cNvPr id="4" name="Date Placeholder 3"/>
           <p:cNvSpPr>
-            <a:spLocks noGrp="true"/>
+            <a:spLocks noGrp="1"/>
           </p:cNvSpPr>
           <p:nvPr>
             <p:ph type="dt" sz="half" idx="10"/>
@@ -238,6 +243,7 @@
           <a:p>
             <a:fld id="{3BD5C212-487B-6C4F-B1DA-B19548653D45}" type="datetimeFigureOut">
               <a:rPr lang="fr-FR" smtClean="0"/>
+              <a:t>31/08/2022</a:t>
             </a:fld>
             <a:endParaRPr lang="fr-FR"/>
           </a:p>
@@ -247,7 +253,7 @@
         <p:nvSpPr>
           <p:cNvPr id="5" name="Footer Placeholder 4"/>
           <p:cNvSpPr>
-            <a:spLocks noGrp="true"/>
+            <a:spLocks noGrp="1"/>
           </p:cNvSpPr>
           <p:nvPr>
             <p:ph type="ftr" sz="quarter" idx="11"/>
@@ -266,7 +272,7 @@
         <p:nvSpPr>
           <p:cNvPr id="6" name="Slide Number Placeholder 5"/>
           <p:cNvSpPr>
-            <a:spLocks noGrp="true"/>
+            <a:spLocks noGrp="1"/>
           </p:cNvSpPr>
           <p:nvPr>
             <p:ph type="sldNum" sz="quarter" idx="12"/>
@@ -279,6 +285,7 @@
           <a:p>
             <a:fld id="{34948C4F-9F29-FB44-9006-35621F635535}" type="slidenum">
               <a:rPr lang="fr-FR" smtClean="0"/>
+              <a:t>‹#›</a:t>
             </a:fld>
             <a:endParaRPr lang="fr-FR"/>
           </a:p>
@@ -313,7 +320,7 @@
         <p:nvSpPr>
           <p:cNvPr id="2" name="Title 1"/>
           <p:cNvSpPr>
-            <a:spLocks noGrp="true"/>
+            <a:spLocks noGrp="1"/>
           </p:cNvSpPr>
           <p:nvPr>
             <p:ph type="title"/>
@@ -336,10 +343,10 @@
         <p:nvSpPr>
           <p:cNvPr id="3" name="Vertical Text Placeholder 2"/>
           <p:cNvSpPr>
-            <a:spLocks noGrp="true"/>
-          </p:cNvSpPr>
-          <p:nvPr>
-            <p:ph type="body" orient="vert" idx="1" hasCustomPrompt="true"/>
+            <a:spLocks noGrp="1"/>
+          </p:cNvSpPr>
+          <p:nvPr>
+            <p:ph type="body" orient="vert" idx="1" hasCustomPrompt="1"/>
           </p:nvPr>
         </p:nvSpPr>
         <p:spPr/>
@@ -364,7 +371,7 @@
         <p:nvSpPr>
           <p:cNvPr id="4" name="Date Placeholder 3"/>
           <p:cNvSpPr>
-            <a:spLocks noGrp="true"/>
+            <a:spLocks noGrp="1"/>
           </p:cNvSpPr>
           <p:nvPr>
             <p:ph type="dt" sz="half" idx="10"/>
@@ -377,6 +384,7 @@
           <a:p>
             <a:fld id="{3BD5C212-487B-6C4F-B1DA-B19548653D45}" type="datetimeFigureOut">
               <a:rPr lang="fr-FR" smtClean="0"/>
+              <a:t>31/08/2022</a:t>
             </a:fld>
             <a:endParaRPr lang="fr-FR"/>
           </a:p>
@@ -386,7 +394,7 @@
         <p:nvSpPr>
           <p:cNvPr id="5" name="Footer Placeholder 4"/>
           <p:cNvSpPr>
-            <a:spLocks noGrp="true"/>
+            <a:spLocks noGrp="1"/>
           </p:cNvSpPr>
           <p:nvPr>
             <p:ph type="ftr" sz="quarter" idx="11"/>
@@ -405,7 +413,7 @@
         <p:nvSpPr>
           <p:cNvPr id="6" name="Slide Number Placeholder 5"/>
           <p:cNvSpPr>
-            <a:spLocks noGrp="true"/>
+            <a:spLocks noGrp="1"/>
           </p:cNvSpPr>
           <p:nvPr>
             <p:ph type="sldNum" sz="quarter" idx="12"/>
@@ -418,6 +426,7 @@
           <a:p>
             <a:fld id="{34948C4F-9F29-FB44-9006-35621F635535}" type="slidenum">
               <a:rPr lang="fr-FR" smtClean="0"/>
+              <a:t>‹#›</a:t>
             </a:fld>
             <a:endParaRPr lang="fr-FR"/>
           </a:p>
@@ -452,7 +461,7 @@
         <p:nvSpPr>
           <p:cNvPr id="2" name="Vertical Title 1"/>
           <p:cNvSpPr>
-            <a:spLocks noGrp="true"/>
+            <a:spLocks noGrp="1"/>
           </p:cNvSpPr>
           <p:nvPr>
             <p:ph type="title" orient="vert"/>
@@ -480,10 +489,10 @@
         <p:nvSpPr>
           <p:cNvPr id="3" name="Vertical Text Placeholder 2"/>
           <p:cNvSpPr>
-            <a:spLocks noGrp="true"/>
-          </p:cNvSpPr>
-          <p:nvPr>
-            <p:ph type="body" orient="vert" idx="1" hasCustomPrompt="true"/>
+            <a:spLocks noGrp="1"/>
+          </p:cNvSpPr>
+          <p:nvPr>
+            <p:ph type="body" orient="vert" idx="1" hasCustomPrompt="1"/>
           </p:nvPr>
         </p:nvSpPr>
         <p:spPr>
@@ -513,7 +522,7 @@
         <p:nvSpPr>
           <p:cNvPr id="4" name="Date Placeholder 3"/>
           <p:cNvSpPr>
-            <a:spLocks noGrp="true"/>
+            <a:spLocks noGrp="1"/>
           </p:cNvSpPr>
           <p:nvPr>
             <p:ph type="dt" sz="half" idx="10"/>
@@ -526,6 +535,7 @@
           <a:p>
             <a:fld id="{3BD5C212-487B-6C4F-B1DA-B19548653D45}" type="datetimeFigureOut">
               <a:rPr lang="fr-FR" smtClean="0"/>
+              <a:t>31/08/2022</a:t>
             </a:fld>
             <a:endParaRPr lang="fr-FR"/>
           </a:p>
@@ -535,7 +545,7 @@
         <p:nvSpPr>
           <p:cNvPr id="5" name="Footer Placeholder 4"/>
           <p:cNvSpPr>
-            <a:spLocks noGrp="true"/>
+            <a:spLocks noGrp="1"/>
           </p:cNvSpPr>
           <p:nvPr>
             <p:ph type="ftr" sz="quarter" idx="11"/>
@@ -554,7 +564,7 @@
         <p:nvSpPr>
           <p:cNvPr id="6" name="Slide Number Placeholder 5"/>
           <p:cNvSpPr>
-            <a:spLocks noGrp="true"/>
+            <a:spLocks noGrp="1"/>
           </p:cNvSpPr>
           <p:nvPr>
             <p:ph type="sldNum" sz="quarter" idx="12"/>
@@ -567,6 +577,7 @@
           <a:p>
             <a:fld id="{34948C4F-9F29-FB44-9006-35621F635535}" type="slidenum">
               <a:rPr lang="fr-FR" smtClean="0"/>
+              <a:t>‹#›</a:t>
             </a:fld>
             <a:endParaRPr lang="fr-FR"/>
           </a:p>
@@ -601,7 +612,7 @@
         <p:nvSpPr>
           <p:cNvPr id="2" name="Title 1"/>
           <p:cNvSpPr>
-            <a:spLocks noGrp="true"/>
+            <a:spLocks noGrp="1"/>
           </p:cNvSpPr>
           <p:nvPr>
             <p:ph type="title"/>
@@ -624,10 +635,10 @@
         <p:nvSpPr>
           <p:cNvPr id="3" name="Content Placeholder 2"/>
           <p:cNvSpPr>
-            <a:spLocks noGrp="true"/>
-          </p:cNvSpPr>
-          <p:nvPr>
-            <p:ph idx="1" hasCustomPrompt="true"/>
+            <a:spLocks noGrp="1"/>
+          </p:cNvSpPr>
+          <p:nvPr>
+            <p:ph idx="1" hasCustomPrompt="1"/>
           </p:nvPr>
         </p:nvSpPr>
         <p:spPr/>
@@ -652,7 +663,7 @@
         <p:nvSpPr>
           <p:cNvPr id="4" name="Date Placeholder 3"/>
           <p:cNvSpPr>
-            <a:spLocks noGrp="true"/>
+            <a:spLocks noGrp="1"/>
           </p:cNvSpPr>
           <p:nvPr>
             <p:ph type="dt" sz="half" idx="10"/>
@@ -665,6 +676,7 @@
           <a:p>
             <a:fld id="{3BD5C212-487B-6C4F-B1DA-B19548653D45}" type="datetimeFigureOut">
               <a:rPr lang="fr-FR" smtClean="0"/>
+              <a:t>31/08/2022</a:t>
             </a:fld>
             <a:endParaRPr lang="fr-FR"/>
           </a:p>
@@ -674,7 +686,7 @@
         <p:nvSpPr>
           <p:cNvPr id="5" name="Footer Placeholder 4"/>
           <p:cNvSpPr>
-            <a:spLocks noGrp="true"/>
+            <a:spLocks noGrp="1"/>
           </p:cNvSpPr>
           <p:nvPr>
             <p:ph type="ftr" sz="quarter" idx="11"/>
@@ -693,7 +705,7 @@
         <p:nvSpPr>
           <p:cNvPr id="6" name="Slide Number Placeholder 5"/>
           <p:cNvSpPr>
-            <a:spLocks noGrp="true"/>
+            <a:spLocks noGrp="1"/>
           </p:cNvSpPr>
           <p:nvPr>
             <p:ph type="sldNum" sz="quarter" idx="12"/>
@@ -706,6 +718,7 @@
           <a:p>
             <a:fld id="{34948C4F-9F29-FB44-9006-35621F635535}" type="slidenum">
               <a:rPr lang="fr-FR" smtClean="0"/>
+              <a:t>‹#›</a:t>
             </a:fld>
             <a:endParaRPr lang="fr-FR"/>
           </a:p>
@@ -740,7 +753,7 @@
         <p:nvSpPr>
           <p:cNvPr id="2" name="Title 1"/>
           <p:cNvSpPr>
-            <a:spLocks noGrp="true"/>
+            <a:spLocks noGrp="1"/>
           </p:cNvSpPr>
           <p:nvPr>
             <p:ph type="title"/>
@@ -772,10 +785,10 @@
         <p:nvSpPr>
           <p:cNvPr id="3" name="Text Placeholder 2"/>
           <p:cNvSpPr>
-            <a:spLocks noGrp="true"/>
-          </p:cNvSpPr>
-          <p:nvPr>
-            <p:ph type="body" idx="1" hasCustomPrompt="true"/>
+            <a:spLocks noGrp="1"/>
+          </p:cNvSpPr>
+          <p:nvPr>
+            <p:ph type="body" idx="1" hasCustomPrompt="1"/>
           </p:nvPr>
         </p:nvSpPr>
         <p:spPr>
@@ -894,7 +907,7 @@
         <p:nvSpPr>
           <p:cNvPr id="4" name="Date Placeholder 3"/>
           <p:cNvSpPr>
-            <a:spLocks noGrp="true"/>
+            <a:spLocks noGrp="1"/>
           </p:cNvSpPr>
           <p:nvPr>
             <p:ph type="dt" sz="half" idx="10"/>
@@ -907,6 +920,7 @@
           <a:p>
             <a:fld id="{3BD5C212-487B-6C4F-B1DA-B19548653D45}" type="datetimeFigureOut">
               <a:rPr lang="fr-FR" smtClean="0"/>
+              <a:t>31/08/2022</a:t>
             </a:fld>
             <a:endParaRPr lang="fr-FR"/>
           </a:p>
@@ -916,7 +930,7 @@
         <p:nvSpPr>
           <p:cNvPr id="5" name="Footer Placeholder 4"/>
           <p:cNvSpPr>
-            <a:spLocks noGrp="true"/>
+            <a:spLocks noGrp="1"/>
           </p:cNvSpPr>
           <p:nvPr>
             <p:ph type="ftr" sz="quarter" idx="11"/>
@@ -935,7 +949,7 @@
         <p:nvSpPr>
           <p:cNvPr id="6" name="Slide Number Placeholder 5"/>
           <p:cNvSpPr>
-            <a:spLocks noGrp="true"/>
+            <a:spLocks noGrp="1"/>
           </p:cNvSpPr>
           <p:nvPr>
             <p:ph type="sldNum" sz="quarter" idx="12"/>
@@ -948,6 +962,7 @@
           <a:p>
             <a:fld id="{34948C4F-9F29-FB44-9006-35621F635535}" type="slidenum">
               <a:rPr lang="fr-FR" smtClean="0"/>
+              <a:t>‹#›</a:t>
             </a:fld>
             <a:endParaRPr lang="fr-FR"/>
           </a:p>
@@ -982,7 +997,7 @@
         <p:nvSpPr>
           <p:cNvPr id="2" name="Title 1"/>
           <p:cNvSpPr>
-            <a:spLocks noGrp="true"/>
+            <a:spLocks noGrp="1"/>
           </p:cNvSpPr>
           <p:nvPr>
             <p:ph type="title"/>
@@ -1005,10 +1020,10 @@
         <p:nvSpPr>
           <p:cNvPr id="3" name="Content Placeholder 2"/>
           <p:cNvSpPr>
-            <a:spLocks noGrp="true"/>
-          </p:cNvSpPr>
-          <p:nvPr>
-            <p:ph sz="half" idx="1" hasCustomPrompt="true"/>
+            <a:spLocks noGrp="1"/>
+          </p:cNvSpPr>
+          <p:nvPr>
+            <p:ph sz="half" idx="1" hasCustomPrompt="1"/>
           </p:nvPr>
         </p:nvSpPr>
         <p:spPr>
@@ -1038,10 +1053,10 @@
         <p:nvSpPr>
           <p:cNvPr id="4" name="Content Placeholder 3"/>
           <p:cNvSpPr>
-            <a:spLocks noGrp="true"/>
-          </p:cNvSpPr>
-          <p:nvPr>
-            <p:ph sz="half" idx="2" hasCustomPrompt="true"/>
+            <a:spLocks noGrp="1"/>
+          </p:cNvSpPr>
+          <p:nvPr>
+            <p:ph sz="half" idx="2" hasCustomPrompt="1"/>
           </p:nvPr>
         </p:nvSpPr>
         <p:spPr>
@@ -1071,7 +1086,7 @@
         <p:nvSpPr>
           <p:cNvPr id="5" name="Date Placeholder 4"/>
           <p:cNvSpPr>
-            <a:spLocks noGrp="true"/>
+            <a:spLocks noGrp="1"/>
           </p:cNvSpPr>
           <p:nvPr>
             <p:ph type="dt" sz="half" idx="10"/>
@@ -1084,6 +1099,7 @@
           <a:p>
             <a:fld id="{3BD5C212-487B-6C4F-B1DA-B19548653D45}" type="datetimeFigureOut">
               <a:rPr lang="fr-FR" smtClean="0"/>
+              <a:t>31/08/2022</a:t>
             </a:fld>
             <a:endParaRPr lang="fr-FR"/>
           </a:p>
@@ -1093,7 +1109,7 @@
         <p:nvSpPr>
           <p:cNvPr id="6" name="Footer Placeholder 5"/>
           <p:cNvSpPr>
-            <a:spLocks noGrp="true"/>
+            <a:spLocks noGrp="1"/>
           </p:cNvSpPr>
           <p:nvPr>
             <p:ph type="ftr" sz="quarter" idx="11"/>
@@ -1112,7 +1128,7 @@
         <p:nvSpPr>
           <p:cNvPr id="7" name="Slide Number Placeholder 6"/>
           <p:cNvSpPr>
-            <a:spLocks noGrp="true"/>
+            <a:spLocks noGrp="1"/>
           </p:cNvSpPr>
           <p:nvPr>
             <p:ph type="sldNum" sz="quarter" idx="12"/>
@@ -1125,6 +1141,7 @@
           <a:p>
             <a:fld id="{34948C4F-9F29-FB44-9006-35621F635535}" type="slidenum">
               <a:rPr lang="fr-FR" smtClean="0"/>
+              <a:t>‹#›</a:t>
             </a:fld>
             <a:endParaRPr lang="fr-FR"/>
           </a:p>
@@ -1159,7 +1176,7 @@
         <p:nvSpPr>
           <p:cNvPr id="2" name="Title 1"/>
           <p:cNvSpPr>
-            <a:spLocks noGrp="true"/>
+            <a:spLocks noGrp="1"/>
           </p:cNvSpPr>
           <p:nvPr>
             <p:ph type="title"/>
@@ -1187,10 +1204,10 @@
         <p:nvSpPr>
           <p:cNvPr id="3" name="Text Placeholder 2"/>
           <p:cNvSpPr>
-            <a:spLocks noGrp="true"/>
-          </p:cNvSpPr>
-          <p:nvPr>
-            <p:ph type="body" idx="1" hasCustomPrompt="true"/>
+            <a:spLocks noGrp="1"/>
+          </p:cNvSpPr>
+          <p:nvPr>
+            <p:ph type="body" idx="1" hasCustomPrompt="1"/>
           </p:nvPr>
         </p:nvSpPr>
         <p:spPr>
@@ -1257,10 +1274,10 @@
         <p:nvSpPr>
           <p:cNvPr id="4" name="Content Placeholder 3"/>
           <p:cNvSpPr>
-            <a:spLocks noGrp="true"/>
-          </p:cNvSpPr>
-          <p:nvPr>
-            <p:ph sz="half" idx="2" hasCustomPrompt="true"/>
+            <a:spLocks noGrp="1"/>
+          </p:cNvSpPr>
+          <p:nvPr>
+            <p:ph sz="half" idx="2" hasCustomPrompt="1"/>
           </p:nvPr>
         </p:nvSpPr>
         <p:spPr>
@@ -1290,10 +1307,10 @@
         <p:nvSpPr>
           <p:cNvPr id="5" name="Text Placeholder 4"/>
           <p:cNvSpPr>
-            <a:spLocks noGrp="true"/>
-          </p:cNvSpPr>
-          <p:nvPr>
-            <p:ph type="body" sz="quarter" idx="3" hasCustomPrompt="true"/>
+            <a:spLocks noGrp="1"/>
+          </p:cNvSpPr>
+          <p:nvPr>
+            <p:ph type="body" sz="quarter" idx="3" hasCustomPrompt="1"/>
           </p:nvPr>
         </p:nvSpPr>
         <p:spPr>
@@ -1360,10 +1377,10 @@
         <p:nvSpPr>
           <p:cNvPr id="6" name="Content Placeholder 5"/>
           <p:cNvSpPr>
-            <a:spLocks noGrp="true"/>
-          </p:cNvSpPr>
-          <p:nvPr>
-            <p:ph sz="quarter" idx="4" hasCustomPrompt="true"/>
+            <a:spLocks noGrp="1"/>
+          </p:cNvSpPr>
+          <p:nvPr>
+            <p:ph sz="quarter" idx="4" hasCustomPrompt="1"/>
           </p:nvPr>
         </p:nvSpPr>
         <p:spPr>
@@ -1393,7 +1410,7 @@
         <p:nvSpPr>
           <p:cNvPr id="7" name="Date Placeholder 6"/>
           <p:cNvSpPr>
-            <a:spLocks noGrp="true"/>
+            <a:spLocks noGrp="1"/>
           </p:cNvSpPr>
           <p:nvPr>
             <p:ph type="dt" sz="half" idx="10"/>
@@ -1406,6 +1423,7 @@
           <a:p>
             <a:fld id="{3BD5C212-487B-6C4F-B1DA-B19548653D45}" type="datetimeFigureOut">
               <a:rPr lang="fr-FR" smtClean="0"/>
+              <a:t>31/08/2022</a:t>
             </a:fld>
             <a:endParaRPr lang="fr-FR"/>
           </a:p>
@@ -1415,7 +1433,7 @@
         <p:nvSpPr>
           <p:cNvPr id="8" name="Footer Placeholder 7"/>
           <p:cNvSpPr>
-            <a:spLocks noGrp="true"/>
+            <a:spLocks noGrp="1"/>
           </p:cNvSpPr>
           <p:nvPr>
             <p:ph type="ftr" sz="quarter" idx="11"/>
@@ -1434,7 +1452,7 @@
         <p:nvSpPr>
           <p:cNvPr id="9" name="Slide Number Placeholder 8"/>
           <p:cNvSpPr>
-            <a:spLocks noGrp="true"/>
+            <a:spLocks noGrp="1"/>
           </p:cNvSpPr>
           <p:nvPr>
             <p:ph type="sldNum" sz="quarter" idx="12"/>
@@ -1447,6 +1465,7 @@
           <a:p>
             <a:fld id="{34948C4F-9F29-FB44-9006-35621F635535}" type="slidenum">
               <a:rPr lang="fr-FR" smtClean="0"/>
+              <a:t>‹#›</a:t>
             </a:fld>
             <a:endParaRPr lang="fr-FR"/>
           </a:p>
@@ -1481,7 +1500,7 @@
         <p:nvSpPr>
           <p:cNvPr id="2" name="Title 1"/>
           <p:cNvSpPr>
-            <a:spLocks noGrp="true"/>
+            <a:spLocks noGrp="1"/>
           </p:cNvSpPr>
           <p:nvPr>
             <p:ph type="title"/>
@@ -1504,7 +1523,7 @@
         <p:nvSpPr>
           <p:cNvPr id="3" name="Date Placeholder 2"/>
           <p:cNvSpPr>
-            <a:spLocks noGrp="true"/>
+            <a:spLocks noGrp="1"/>
           </p:cNvSpPr>
           <p:nvPr>
             <p:ph type="dt" sz="half" idx="10"/>
@@ -1517,6 +1536,7 @@
           <a:p>
             <a:fld id="{3BD5C212-487B-6C4F-B1DA-B19548653D45}" type="datetimeFigureOut">
               <a:rPr lang="fr-FR" smtClean="0"/>
+              <a:t>31/08/2022</a:t>
             </a:fld>
             <a:endParaRPr lang="fr-FR"/>
           </a:p>
@@ -1526,7 +1546,7 @@
         <p:nvSpPr>
           <p:cNvPr id="4" name="Footer Placeholder 3"/>
           <p:cNvSpPr>
-            <a:spLocks noGrp="true"/>
+            <a:spLocks noGrp="1"/>
           </p:cNvSpPr>
           <p:nvPr>
             <p:ph type="ftr" sz="quarter" idx="11"/>
@@ -1545,7 +1565,7 @@
         <p:nvSpPr>
           <p:cNvPr id="5" name="Slide Number Placeholder 4"/>
           <p:cNvSpPr>
-            <a:spLocks noGrp="true"/>
+            <a:spLocks noGrp="1"/>
           </p:cNvSpPr>
           <p:nvPr>
             <p:ph type="sldNum" sz="quarter" idx="12"/>
@@ -1558,6 +1578,7 @@
           <a:p>
             <a:fld id="{34948C4F-9F29-FB44-9006-35621F635535}" type="slidenum">
               <a:rPr lang="fr-FR" smtClean="0"/>
+              <a:t>‹#›</a:t>
             </a:fld>
             <a:endParaRPr lang="fr-FR"/>
           </a:p>
@@ -1592,7 +1613,7 @@
         <p:nvSpPr>
           <p:cNvPr id="2" name="Date Placeholder 1"/>
           <p:cNvSpPr>
-            <a:spLocks noGrp="true"/>
+            <a:spLocks noGrp="1"/>
           </p:cNvSpPr>
           <p:nvPr>
             <p:ph type="dt" sz="half" idx="10"/>
@@ -1605,6 +1626,7 @@
           <a:p>
             <a:fld id="{3BD5C212-487B-6C4F-B1DA-B19548653D45}" type="datetimeFigureOut">
               <a:rPr lang="fr-FR" smtClean="0"/>
+              <a:t>31/08/2022</a:t>
             </a:fld>
             <a:endParaRPr lang="fr-FR"/>
           </a:p>
@@ -1614,7 +1636,7 @@
         <p:nvSpPr>
           <p:cNvPr id="3" name="Footer Placeholder 2"/>
           <p:cNvSpPr>
-            <a:spLocks noGrp="true"/>
+            <a:spLocks noGrp="1"/>
           </p:cNvSpPr>
           <p:nvPr>
             <p:ph type="ftr" sz="quarter" idx="11"/>
@@ -1633,7 +1655,7 @@
         <p:nvSpPr>
           <p:cNvPr id="4" name="Slide Number Placeholder 3"/>
           <p:cNvSpPr>
-            <a:spLocks noGrp="true"/>
+            <a:spLocks noGrp="1"/>
           </p:cNvSpPr>
           <p:nvPr>
             <p:ph type="sldNum" sz="quarter" idx="12"/>
@@ -1646,6 +1668,7 @@
           <a:p>
             <a:fld id="{34948C4F-9F29-FB44-9006-35621F635535}" type="slidenum">
               <a:rPr lang="fr-FR" smtClean="0"/>
+              <a:t>‹#›</a:t>
             </a:fld>
             <a:endParaRPr lang="fr-FR"/>
           </a:p>
@@ -1680,7 +1703,7 @@
         <p:nvSpPr>
           <p:cNvPr id="2" name="Title 1"/>
           <p:cNvSpPr>
-            <a:spLocks noGrp="true"/>
+            <a:spLocks noGrp="1"/>
           </p:cNvSpPr>
           <p:nvPr>
             <p:ph type="title"/>
@@ -1712,10 +1735,10 @@
         <p:nvSpPr>
           <p:cNvPr id="3" name="Content Placeholder 2"/>
           <p:cNvSpPr>
-            <a:spLocks noGrp="true"/>
-          </p:cNvSpPr>
-          <p:nvPr>
-            <p:ph idx="1" hasCustomPrompt="true"/>
+            <a:spLocks noGrp="1"/>
+          </p:cNvSpPr>
+          <p:nvPr>
+            <p:ph idx="1" hasCustomPrompt="1"/>
           </p:nvPr>
         </p:nvSpPr>
         <p:spPr>
@@ -1773,10 +1796,10 @@
         <p:nvSpPr>
           <p:cNvPr id="4" name="Text Placeholder 3"/>
           <p:cNvSpPr>
-            <a:spLocks noGrp="true"/>
-          </p:cNvSpPr>
-          <p:nvPr>
-            <p:ph type="body" sz="half" idx="2" hasCustomPrompt="true"/>
+            <a:spLocks noGrp="1"/>
+          </p:cNvSpPr>
+          <p:nvPr>
+            <p:ph type="body" sz="half" idx="2" hasCustomPrompt="1"/>
           </p:nvPr>
         </p:nvSpPr>
         <p:spPr>
@@ -1843,7 +1866,7 @@
         <p:nvSpPr>
           <p:cNvPr id="5" name="Date Placeholder 4"/>
           <p:cNvSpPr>
-            <a:spLocks noGrp="true"/>
+            <a:spLocks noGrp="1"/>
           </p:cNvSpPr>
           <p:nvPr>
             <p:ph type="dt" sz="half" idx="10"/>
@@ -1856,6 +1879,7 @@
           <a:p>
             <a:fld id="{3BD5C212-487B-6C4F-B1DA-B19548653D45}" type="datetimeFigureOut">
               <a:rPr lang="fr-FR" smtClean="0"/>
+              <a:t>31/08/2022</a:t>
             </a:fld>
             <a:endParaRPr lang="fr-FR"/>
           </a:p>
@@ -1865,7 +1889,7 @@
         <p:nvSpPr>
           <p:cNvPr id="6" name="Footer Placeholder 5"/>
           <p:cNvSpPr>
-            <a:spLocks noGrp="true"/>
+            <a:spLocks noGrp="1"/>
           </p:cNvSpPr>
           <p:nvPr>
             <p:ph type="ftr" sz="quarter" idx="11"/>
@@ -1884,7 +1908,7 @@
         <p:nvSpPr>
           <p:cNvPr id="7" name="Slide Number Placeholder 6"/>
           <p:cNvSpPr>
-            <a:spLocks noGrp="true"/>
+            <a:spLocks noGrp="1"/>
           </p:cNvSpPr>
           <p:nvPr>
             <p:ph type="sldNum" sz="quarter" idx="12"/>
@@ -1897,6 +1921,7 @@
           <a:p>
             <a:fld id="{34948C4F-9F29-FB44-9006-35621F635535}" type="slidenum">
               <a:rPr lang="fr-FR" smtClean="0"/>
+              <a:t>‹#›</a:t>
             </a:fld>
             <a:endParaRPr lang="fr-FR"/>
           </a:p>
@@ -1931,7 +1956,7 @@
         <p:nvSpPr>
           <p:cNvPr id="2" name="Title 1"/>
           <p:cNvSpPr>
-            <a:spLocks noGrp="true"/>
+            <a:spLocks noGrp="1"/>
           </p:cNvSpPr>
           <p:nvPr>
             <p:ph type="title"/>
@@ -1963,7 +1988,7 @@
         <p:nvSpPr>
           <p:cNvPr id="3" name="Picture Placeholder 2"/>
           <p:cNvSpPr>
-            <a:spLocks noGrp="true" noChangeAspect="true"/>
+            <a:spLocks noGrp="1" noChangeAspect="1"/>
           </p:cNvSpPr>
           <p:nvPr>
             <p:ph type="pic" idx="1"/>
@@ -2028,10 +2053,10 @@
         <p:nvSpPr>
           <p:cNvPr id="4" name="Text Placeholder 3"/>
           <p:cNvSpPr>
-            <a:spLocks noGrp="true"/>
-          </p:cNvSpPr>
-          <p:nvPr>
-            <p:ph type="body" sz="half" idx="2" hasCustomPrompt="true"/>
+            <a:spLocks noGrp="1"/>
+          </p:cNvSpPr>
+          <p:nvPr>
+            <p:ph type="body" sz="half" idx="2" hasCustomPrompt="1"/>
           </p:nvPr>
         </p:nvSpPr>
         <p:spPr>
@@ -2098,7 +2123,7 @@
         <p:nvSpPr>
           <p:cNvPr id="5" name="Date Placeholder 4"/>
           <p:cNvSpPr>
-            <a:spLocks noGrp="true"/>
+            <a:spLocks noGrp="1"/>
           </p:cNvSpPr>
           <p:nvPr>
             <p:ph type="dt" sz="half" idx="10"/>
@@ -2111,6 +2136,7 @@
           <a:p>
             <a:fld id="{3BD5C212-487B-6C4F-B1DA-B19548653D45}" type="datetimeFigureOut">
               <a:rPr lang="fr-FR" smtClean="0"/>
+              <a:t>31/08/2022</a:t>
             </a:fld>
             <a:endParaRPr lang="fr-FR"/>
           </a:p>
@@ -2120,7 +2146,7 @@
         <p:nvSpPr>
           <p:cNvPr id="6" name="Footer Placeholder 5"/>
           <p:cNvSpPr>
-            <a:spLocks noGrp="true"/>
+            <a:spLocks noGrp="1"/>
           </p:cNvSpPr>
           <p:nvPr>
             <p:ph type="ftr" sz="quarter" idx="11"/>
@@ -2139,7 +2165,7 @@
         <p:nvSpPr>
           <p:cNvPr id="7" name="Slide Number Placeholder 6"/>
           <p:cNvSpPr>
-            <a:spLocks noGrp="true"/>
+            <a:spLocks noGrp="1"/>
           </p:cNvSpPr>
           <p:nvPr>
             <p:ph type="sldNum" sz="quarter" idx="12"/>
@@ -2152,6 +2178,7 @@
           <a:p>
             <a:fld id="{34948C4F-9F29-FB44-9006-35621F635535}" type="slidenum">
               <a:rPr lang="fr-FR" smtClean="0"/>
+              <a:t>‹#›</a:t>
             </a:fld>
             <a:endParaRPr lang="fr-FR"/>
           </a:p>
@@ -2191,7 +2218,7 @@
         <p:nvSpPr>
           <p:cNvPr id="2" name="Title Placeholder 1"/>
           <p:cNvSpPr>
-            <a:spLocks noGrp="true"/>
+            <a:spLocks noGrp="1"/>
           </p:cNvSpPr>
           <p:nvPr>
             <p:ph type="title"/>
@@ -2224,7 +2251,7 @@
         <p:nvSpPr>
           <p:cNvPr id="3" name="Text Placeholder 2"/>
           <p:cNvSpPr>
-            <a:spLocks noGrp="true"/>
+            <a:spLocks noGrp="1"/>
           </p:cNvSpPr>
           <p:nvPr>
             <p:ph type="body" idx="1"/>
@@ -2262,7 +2289,7 @@
         <p:nvSpPr>
           <p:cNvPr id="4" name="Date Placeholder 3"/>
           <p:cNvSpPr>
-            <a:spLocks noGrp="true"/>
+            <a:spLocks noGrp="1"/>
           </p:cNvSpPr>
           <p:nvPr>
             <p:ph type="dt" sz="half" idx="2"/>
@@ -2293,6 +2320,7 @@
           <a:p>
             <a:fld id="{3BD5C212-487B-6C4F-B1DA-B19548653D45}" type="datetimeFigureOut">
               <a:rPr lang="fr-FR" smtClean="0"/>
+              <a:t>31/08/2022</a:t>
             </a:fld>
             <a:endParaRPr lang="fr-FR"/>
           </a:p>
@@ -2302,7 +2330,7 @@
         <p:nvSpPr>
           <p:cNvPr id="5" name="Footer Placeholder 4"/>
           <p:cNvSpPr>
-            <a:spLocks noGrp="true"/>
+            <a:spLocks noGrp="1"/>
           </p:cNvSpPr>
           <p:nvPr>
             <p:ph type="ftr" sz="quarter" idx="3"/>
@@ -2339,7 +2367,7 @@
         <p:nvSpPr>
           <p:cNvPr id="6" name="Slide Number Placeholder 5"/>
           <p:cNvSpPr>
-            <a:spLocks noGrp="true"/>
+            <a:spLocks noGrp="1"/>
           </p:cNvSpPr>
           <p:nvPr>
             <p:ph type="sldNum" sz="quarter" idx="4"/>
@@ -2370,6 +2398,7 @@
           <a:p>
             <a:fld id="{34948C4F-9F29-FB44-9006-35621F635535}" type="slidenum">
               <a:rPr lang="fr-FR" smtClean="0"/>
+              <a:t>‹#›</a:t>
             </a:fld>
             <a:endParaRPr lang="fr-FR"/>
           </a:p>
@@ -2817,7 +2846,7 @@
         <a:solidFill>
           <a:schemeClr val="phClr"/>
         </a:solidFill>
-        <a:gradFill rotWithShape="true">
+        <a:gradFill rotWithShape="1">
           <a:gsLst>
             <a:gs pos="0">
               <a:schemeClr val="phClr">
@@ -2841,9 +2870,9 @@
               </a:schemeClr>
             </a:gs>
           </a:gsLst>
-          <a:lin ang="5400000" scaled="false"/>
+          <a:lin ang="5400000" scaled="0"/>
         </a:gradFill>
-        <a:gradFill rotWithShape="true">
+        <a:gradFill rotWithShape="1">
           <a:gsLst>
             <a:gs pos="0">
               <a:schemeClr val="phClr">
@@ -2867,7 +2896,7 @@
               </a:schemeClr>
             </a:gs>
           </a:gsLst>
-          <a:lin ang="5400000" scaled="false"/>
+          <a:lin ang="5400000" scaled="0"/>
         </a:gradFill>
       </a:fillStyleLst>
       <a:lnStyleLst>
@@ -2920,7 +2949,7 @@
             <a:satMod val="170000"/>
           </a:schemeClr>
         </a:solidFill>
-        <a:gradFill rotWithShape="true">
+        <a:gradFill rotWithShape="1">
           <a:gsLst>
             <a:gs pos="0">
               <a:schemeClr val="phClr">
@@ -2945,11 +2974,13 @@
               </a:schemeClr>
             </a:gs>
           </a:gsLst>
-          <a:lin ang="5400000" scaled="false"/>
+          <a:lin ang="5400000" scaled="0"/>
         </a:gradFill>
       </a:bgFillStyleLst>
     </a:fmtScheme>
   </a:themeElements>
+  <a:objectDefaults/>
+  <a:extraClrSchemeLst/>
   <a:extLst>
     <a:ext uri="{05A4C25C-085E-4340-85A3-A5531E510DB2}">
       <thm15:themeFamily xmlns:thm15="http://schemas.microsoft.com/office/thememl/2012/main" name="Office Theme" id="{62F939B6-93AF-4DB8-9C6B-D6C7DFDC589F}" vid="{4A3C46E8-61CC-4603-A589-7422A47A8E4A}"/>
